--- a/2DGP_닭의꿈.pptx
+++ b/2DGP_닭의꿈.pptx
@@ -4132,7 +4132,7 @@
           <p:nvPr/>
         </p:nvPicPr>
         <p:blipFill>
-          <a:blip r:embed="rId12"/>
+          <a:blip r:embed="rId13"/>
           <a:stretch>
             <a:fillRect/>
           </a:stretch>
@@ -4156,7 +4156,7 @@
           <p:nvPr/>
         </p:nvPicPr>
         <p:blipFill>
-          <a:blip r:embed="rId12"/>
+          <a:blip r:embed="rId13"/>
           <a:stretch>
             <a:fillRect/>
           </a:stretch>
@@ -4180,7 +4180,7 @@
           <p:nvPr/>
         </p:nvPicPr>
         <p:blipFill>
-          <a:blip r:embed="rId12"/>
+          <a:blip r:embed="rId13"/>
           <a:stretch>
             <a:fillRect/>
           </a:stretch>
@@ -5126,7 +5126,7 @@
           <p:nvPr/>
         </p:nvPicPr>
         <p:blipFill>
-          <a:blip r:embed="rId9"/>
+          <a:blip r:embed="rId10"/>
           <a:stretch>
             <a:fillRect/>
           </a:stretch>
@@ -5174,7 +5174,7 @@
           <p:nvPr/>
         </p:nvPicPr>
         <p:blipFill>
-          <a:blip r:embed="rId11"/>
+          <a:blip r:embed="rId10"/>
           <a:stretch>
             <a:fillRect/>
           </a:stretch>
@@ -5198,7 +5198,7 @@
           <p:nvPr/>
         </p:nvPicPr>
         <p:blipFill>
-          <a:blip r:embed="rId9"/>
+          <a:blip r:embed="rId10"/>
           <a:stretch>
             <a:fillRect/>
           </a:stretch>
@@ -5222,7 +5222,7 @@
           <p:nvPr/>
         </p:nvPicPr>
         <p:blipFill>
-          <a:blip r:embed="rId12"/>
+          <a:blip r:embed="rId11"/>
           <a:stretch>
             <a:fillRect/>
           </a:stretch>
@@ -5246,7 +5246,7 @@
           <p:nvPr/>
         </p:nvPicPr>
         <p:blipFill>
-          <a:blip r:embed="rId13"/>
+          <a:blip r:embed="rId12"/>
           <a:stretch>
             <a:fillRect/>
           </a:stretch>
@@ -5836,177 +5836,6 @@
           </a:p>
         </p:txBody>
       </p:sp>
-      <p:sp>
-        <p:nvSpPr>
-          <p:cNvPr name="TextBox 18" id="18"/>
-          <p:cNvSpPr txBox="true"/>
-          <p:nvPr/>
-        </p:nvSpPr>
-        <p:spPr>
-          <a:xfrm rot="0">
-            <a:off x="4191000" y="11112500"/>
-            <a:ext cx="16725900" cy="1257300"/>
-          </a:xfrm>
-          <a:prstGeom prst="rect">
-            <a:avLst/>
-          </a:prstGeom>
-        </p:spPr>
-        <p:txBody>
-          <a:bodyPr anchor="t" rtlCol="false"/>
-          <a:lstStyle/>
-          <a:p>
-            <a:pPr algn="l" lvl="0">
-              <a:lnSpc>
-                <a:spcPct val="116199"/>
-              </a:lnSpc>
-            </a:pPr>
-            <a:r>
-              <a:rPr lang="en-US" sz="7073" b="false" i="false" u="none" strike="noStrike">
-                <a:solidFill>
-                  <a:srgbClr val="FFFFFF"/>
-                </a:solidFill>
-                <a:highlight>
-                  <a:srgbClr val="000000"/>
-                </a:highlight>
-                <a:latin typeface="Arial"/>
-              </a:rPr>
-              <a:t>WASD</a:t>
-            </a:r>
-            <a:r>
-              <a:rPr lang="ko-KR" sz="7073" b="false" i="false" u="none" strike="noStrike">
-                <a:solidFill>
-                  <a:srgbClr val="FFFFFF"/>
-                </a:solidFill>
-                <a:highlight>
-                  <a:srgbClr val="000000"/>
-                </a:highlight>
-                <a:ea typeface="Arial"/>
-              </a:rPr>
-              <a:t>로</a:t>
-            </a:r>
-            <a:r>
-              <a:rPr lang="en-US" sz="7073" b="false" i="false" u="none" strike="noStrike">
-                <a:solidFill>
-                  <a:srgbClr val="FFFFFF"/>
-                </a:solidFill>
-                <a:highlight>
-                  <a:srgbClr val="000000"/>
-                </a:highlight>
-                <a:latin typeface="Arial"/>
-              </a:rPr>
-              <a:t> </a:t>
-            </a:r>
-            <a:r>
-              <a:rPr lang="ko-KR" sz="7073" b="false" i="false" u="none" strike="noStrike">
-                <a:solidFill>
-                  <a:srgbClr val="FFFFFF"/>
-                </a:solidFill>
-                <a:highlight>
-                  <a:srgbClr val="000000"/>
-                </a:highlight>
-                <a:ea typeface="Arial"/>
-              </a:rPr>
-              <a:t>이동</a:t>
-            </a:r>
-            <a:r>
-              <a:rPr lang="en-US" sz="7073" b="false" i="false" u="none" strike="noStrike">
-                <a:solidFill>
-                  <a:srgbClr val="FFFFFF"/>
-                </a:solidFill>
-                <a:highlight>
-                  <a:srgbClr val="000000"/>
-                </a:highlight>
-                <a:latin typeface="Arial"/>
-              </a:rPr>
-              <a:t>, </a:t>
-            </a:r>
-            <a:r>
-              <a:rPr lang="ko-KR" sz="7073" b="false" i="false" u="none" strike="noStrike">
-                <a:solidFill>
-                  <a:srgbClr val="FFFFFF"/>
-                </a:solidFill>
-                <a:highlight>
-                  <a:srgbClr val="000000"/>
-                </a:highlight>
-                <a:ea typeface="Arial"/>
-              </a:rPr>
-              <a:t>먹이에</a:t>
-            </a:r>
-            <a:r>
-              <a:rPr lang="en-US" sz="7073" b="false" i="false" u="none" strike="noStrike">
-                <a:solidFill>
-                  <a:srgbClr val="FFFFFF"/>
-                </a:solidFill>
-                <a:highlight>
-                  <a:srgbClr val="000000"/>
-                </a:highlight>
-                <a:latin typeface="Arial"/>
-              </a:rPr>
-              <a:t> </a:t>
-            </a:r>
-            <a:r>
-              <a:rPr lang="ko-KR" sz="7073" b="false" i="false" u="none" strike="noStrike">
-                <a:solidFill>
-                  <a:srgbClr val="FFFFFF"/>
-                </a:solidFill>
-                <a:highlight>
-                  <a:srgbClr val="000000"/>
-                </a:highlight>
-                <a:ea typeface="Arial"/>
-              </a:rPr>
-              <a:t>다가가면</a:t>
-            </a:r>
-            <a:r>
-              <a:rPr lang="en-US" sz="7073" b="false" i="false" u="none" strike="noStrike">
-                <a:solidFill>
-                  <a:srgbClr val="FFFFFF"/>
-                </a:solidFill>
-                <a:highlight>
-                  <a:srgbClr val="000000"/>
-                </a:highlight>
-                <a:latin typeface="Arial"/>
-              </a:rPr>
-              <a:t> </a:t>
-            </a:r>
-            <a:r>
-              <a:rPr lang="ko-KR" sz="7073" b="false" i="false" u="none" strike="noStrike">
-                <a:solidFill>
-                  <a:srgbClr val="FFFFFF"/>
-                </a:solidFill>
-                <a:highlight>
-                  <a:srgbClr val="000000"/>
-                </a:highlight>
-                <a:ea typeface="Arial"/>
-              </a:rPr>
-              <a:t>자동으로</a:t>
-            </a:r>
-            <a:r>
-              <a:rPr lang="en-US" sz="7073" b="false" i="false" u="none" strike="noStrike">
-                <a:solidFill>
-                  <a:srgbClr val="FFFFFF"/>
-                </a:solidFill>
-                <a:highlight>
-                  <a:srgbClr val="000000"/>
-                </a:highlight>
-                <a:latin typeface="Arial"/>
-              </a:rPr>
-              <a:t> </a:t>
-            </a:r>
-            <a:r>
-              <a:rPr lang="ko-KR" sz="7073" b="false" i="false" u="none" strike="noStrike">
-                <a:solidFill>
-                  <a:srgbClr val="FFFFFF"/>
-                </a:solidFill>
-                <a:highlight>
-                  <a:srgbClr val="000000"/>
-                </a:highlight>
-                <a:ea typeface="Arial"/>
-              </a:rPr>
-              <a:t>먹음</a:t>
-            </a:r>
-          </a:p>
-        </p:txBody>
-      </p:sp>
     </p:spTree>
   </p:cSld>
   <p:clrMapOvr>
@@ -6965,7 +6794,7 @@
           <p:nvPr/>
         </p:nvPicPr>
         <p:blipFill>
-          <a:blip r:embed="rId9"/>
+          <a:blip r:embed="rId8"/>
           <a:stretch>
             <a:fillRect/>
           </a:stretch>
@@ -6989,7 +6818,7 @@
           <p:nvPr/>
         </p:nvPicPr>
         <p:blipFill>
-          <a:blip r:embed="rId9"/>
+          <a:blip r:embed="rId8"/>
           <a:stretch>
             <a:fillRect/>
           </a:stretch>
@@ -9490,7 +9319,7 @@
           <p:nvPr/>
         </p:nvPicPr>
         <p:blipFill>
-          <a:blip r:embed="rId8"/>
+          <a:blip r:embed="rId9"/>
           <a:stretch>
             <a:fillRect/>
           </a:stretch>
@@ -9514,7 +9343,7 @@
           <p:nvPr/>
         </p:nvPicPr>
         <p:blipFill>
-          <a:blip r:embed="rId8"/>
+          <a:blip r:embed="rId9"/>
           <a:stretch>
             <a:fillRect/>
           </a:stretch>
@@ -10045,7 +9874,7 @@
           <p:nvPr/>
         </p:nvPicPr>
         <p:blipFill>
-          <a:blip r:embed="rId19"/>
+          <a:blip r:embed="rId20"/>
           <a:stretch>
             <a:fillRect/>
           </a:stretch>
@@ -10069,7 +9898,7 @@
           <p:nvPr/>
         </p:nvPicPr>
         <p:blipFill>
-          <a:blip r:embed="rId20"/>
+          <a:blip r:embed="rId21"/>
           <a:stretch>
             <a:fillRect/>
           </a:stretch>
@@ -10093,7 +9922,7 @@
           <p:nvPr/>
         </p:nvPicPr>
         <p:blipFill>
-          <a:blip r:embed="rId21"/>
+          <a:blip r:embed="rId22"/>
           <a:stretch>
             <a:fillRect/>
           </a:stretch>
@@ -11432,7 +11261,7 @@
           <p:nvPr/>
         </p:nvPicPr>
         <p:blipFill>
-          <a:blip r:embed="rId6"/>
+          <a:blip r:embed="rId16"/>
           <a:stretch>
             <a:fillRect/>
           </a:stretch>
@@ -11504,7 +11333,7 @@
           <p:nvPr/>
         </p:nvPicPr>
         <p:blipFill>
-          <a:blip r:embed="rId16"/>
+          <a:blip r:embed="rId6"/>
           <a:stretch>
             <a:fillRect/>
           </a:stretch>
@@ -11708,7 +11537,7 @@
           <p:nvPr/>
         </p:nvPicPr>
         <p:blipFill>
-          <a:blip r:embed="rId19"/>
+          <a:blip r:embed="rId17"/>
           <a:stretch>
             <a:fillRect/>
           </a:stretch>
